--- a/Jumpserver/jumpserver部署架构图.pptx
+++ b/Jumpserver/jumpserver部署架构图.pptx
@@ -5040,7 +5040,7 @@
         </p:nvSpPr>
         <p:spPr>
           <a:xfrm>
-            <a:off x="2842260" y="4069715"/>
+            <a:off x="2886075" y="3951605"/>
             <a:ext cx="3958590" cy="245110"/>
           </a:xfrm>
           <a:prstGeom prst="rect">
@@ -5789,6 +5789,313 @@
               <a:t>主主</a:t>
             </a:r>
             <a:endParaRPr lang="zh-CN" altLang="en-US" sz="1200"/>
+          </a:p>
+        </p:txBody>
+      </p:sp>
+      <p:sp>
+        <p:nvSpPr>
+          <p:cNvPr id="2" name="文本框 1"/>
+          <p:cNvSpPr txBox="1"/>
+          <p:nvPr/>
+        </p:nvSpPr>
+        <p:spPr>
+          <a:xfrm>
+            <a:off x="1811020" y="3174365"/>
+            <a:ext cx="1226185" cy="229870"/>
+          </a:xfrm>
+          <a:prstGeom prst="rect">
+            <a:avLst/>
+          </a:prstGeom>
+          <a:noFill/>
+        </p:spPr>
+        <p:txBody>
+          <a:bodyPr wrap="square" rtlCol="0">
+            <a:spAutoFit/>
+          </a:bodyPr>
+          <a:p>
+            <a:r>
+              <a:rPr lang="en-US" altLang="zh-CN" sz="900"/>
+              <a:t>VIP</a:t>
+            </a:r>
+            <a:r>
+              <a:rPr lang="zh-CN" altLang="en-US" sz="900"/>
+              <a:t>：</a:t>
+            </a:r>
+            <a:r>
+              <a:rPr lang="en-US" altLang="zh-CN" sz="900"/>
+              <a:t>192.168.5.20</a:t>
+            </a:r>
+            <a:endParaRPr lang="en-US" altLang="zh-CN" sz="900"/>
+          </a:p>
+        </p:txBody>
+      </p:sp>
+      <p:sp>
+        <p:nvSpPr>
+          <p:cNvPr id="3" name="文本框 2"/>
+          <p:cNvSpPr txBox="1"/>
+          <p:nvPr/>
+        </p:nvSpPr>
+        <p:spPr>
+          <a:xfrm>
+            <a:off x="3626485" y="933450"/>
+            <a:ext cx="2618740" cy="398780"/>
+          </a:xfrm>
+          <a:prstGeom prst="rect">
+            <a:avLst/>
+          </a:prstGeom>
+          <a:noFill/>
+        </p:spPr>
+        <p:txBody>
+          <a:bodyPr wrap="square" rtlCol="0">
+            <a:spAutoFit/>
+          </a:bodyPr>
+          <a:p>
+            <a:r>
+              <a:rPr lang="zh-CN" altLang="en-US" sz="1000"/>
+              <a:t>宿主机：</a:t>
+            </a:r>
+            <a:r>
+              <a:rPr lang="en-US" altLang="zh-CN" sz="1000"/>
+              <a:t>192.168.5.10</a:t>
+            </a:r>
+            <a:endParaRPr lang="en-US" altLang="zh-CN" sz="1000"/>
+          </a:p>
+          <a:p>
+            <a:r>
+              <a:rPr lang="zh-CN" altLang="en-US" sz="1000"/>
+              <a:t>虚拟机：</a:t>
+            </a:r>
+            <a:r>
+              <a:rPr lang="en-US" altLang="zh-CN" sz="1000"/>
+              <a:t>192.168.5.15</a:t>
+            </a:r>
+            <a:endParaRPr lang="en-US" altLang="zh-CN" sz="1000"/>
+          </a:p>
+        </p:txBody>
+      </p:sp>
+      <p:sp>
+        <p:nvSpPr>
+          <p:cNvPr id="4" name="文本框 3"/>
+          <p:cNvSpPr txBox="1"/>
+          <p:nvPr/>
+        </p:nvSpPr>
+        <p:spPr>
+          <a:xfrm>
+            <a:off x="3669030" y="4196715"/>
+            <a:ext cx="2618740" cy="398780"/>
+          </a:xfrm>
+          <a:prstGeom prst="rect">
+            <a:avLst/>
+          </a:prstGeom>
+          <a:noFill/>
+        </p:spPr>
+        <p:txBody>
+          <a:bodyPr wrap="square" rtlCol="0">
+            <a:spAutoFit/>
+          </a:bodyPr>
+          <a:p>
+            <a:r>
+              <a:rPr lang="zh-CN" altLang="en-US" sz="1000"/>
+              <a:t>宿主机：</a:t>
+            </a:r>
+            <a:r>
+              <a:rPr lang="en-US" altLang="zh-CN" sz="1000"/>
+              <a:t>192.168.5.11</a:t>
+            </a:r>
+            <a:endParaRPr lang="en-US" altLang="zh-CN" sz="1000"/>
+          </a:p>
+          <a:p>
+            <a:r>
+              <a:rPr lang="zh-CN" altLang="en-US" sz="1000"/>
+              <a:t>虚拟机：</a:t>
+            </a:r>
+            <a:r>
+              <a:rPr lang="en-US" altLang="zh-CN" sz="1000"/>
+              <a:t>192.168.5.16</a:t>
+            </a:r>
+            <a:endParaRPr lang="en-US" altLang="zh-CN" sz="1000"/>
+          </a:p>
+        </p:txBody>
+      </p:sp>
+      <p:sp>
+        <p:nvSpPr>
+          <p:cNvPr id="10" name="文本框 9"/>
+          <p:cNvSpPr txBox="1"/>
+          <p:nvPr/>
+        </p:nvSpPr>
+        <p:spPr>
+          <a:xfrm>
+            <a:off x="3764280" y="2374265"/>
+            <a:ext cx="1804670" cy="245110"/>
+          </a:xfrm>
+          <a:prstGeom prst="rect">
+            <a:avLst/>
+          </a:prstGeom>
+          <a:noFill/>
+        </p:spPr>
+        <p:txBody>
+          <a:bodyPr wrap="square" rtlCol="0">
+            <a:spAutoFit/>
+          </a:bodyPr>
+          <a:p>
+            <a:r>
+              <a:rPr lang="en-US" altLang="zh-CN" sz="1000"/>
+              <a:t>192.168.5.11</a:t>
+            </a:r>
+            <a:endParaRPr lang="en-US" altLang="zh-CN" sz="1000"/>
+          </a:p>
+        </p:txBody>
+      </p:sp>
+      <p:sp>
+        <p:nvSpPr>
+          <p:cNvPr id="23" name="文本框 22"/>
+          <p:cNvSpPr txBox="1"/>
+          <p:nvPr/>
+        </p:nvSpPr>
+        <p:spPr>
+          <a:xfrm>
+            <a:off x="7140575" y="1415415"/>
+            <a:ext cx="1941830" cy="245110"/>
+          </a:xfrm>
+          <a:prstGeom prst="rect">
+            <a:avLst/>
+          </a:prstGeom>
+          <a:noFill/>
+        </p:spPr>
+        <p:txBody>
+          <a:bodyPr wrap="square" rtlCol="0">
+            <a:spAutoFit/>
+          </a:bodyPr>
+          <a:p>
+            <a:r>
+              <a:rPr lang="en-US" altLang="zh-CN" sz="1000"/>
+              <a:t>192.168.5.10</a:t>
+            </a:r>
+            <a:endParaRPr lang="en-US" altLang="zh-CN" sz="1000"/>
+          </a:p>
+        </p:txBody>
+      </p:sp>
+      <p:sp>
+        <p:nvSpPr>
+          <p:cNvPr id="25" name="文本框 24"/>
+          <p:cNvSpPr txBox="1"/>
+          <p:nvPr/>
+        </p:nvSpPr>
+        <p:spPr>
+          <a:xfrm>
+            <a:off x="7150100" y="2012950"/>
+            <a:ext cx="1941830" cy="245110"/>
+          </a:xfrm>
+          <a:prstGeom prst="rect">
+            <a:avLst/>
+          </a:prstGeom>
+          <a:noFill/>
+        </p:spPr>
+        <p:txBody>
+          <a:bodyPr wrap="square" rtlCol="0">
+            <a:spAutoFit/>
+          </a:bodyPr>
+          <a:p>
+            <a:r>
+              <a:rPr lang="en-US" altLang="zh-CN" sz="1000"/>
+              <a:t>192.168.5.11</a:t>
+            </a:r>
+            <a:endParaRPr lang="en-US" altLang="zh-CN" sz="1000"/>
+          </a:p>
+        </p:txBody>
+      </p:sp>
+      <p:sp>
+        <p:nvSpPr>
+          <p:cNvPr id="26" name="文本框 25"/>
+          <p:cNvSpPr txBox="1"/>
+          <p:nvPr/>
+        </p:nvSpPr>
+        <p:spPr>
+          <a:xfrm>
+            <a:off x="7219950" y="3228340"/>
+            <a:ext cx="1941830" cy="245110"/>
+          </a:xfrm>
+          <a:prstGeom prst="rect">
+            <a:avLst/>
+          </a:prstGeom>
+          <a:noFill/>
+        </p:spPr>
+        <p:txBody>
+          <a:bodyPr wrap="square" rtlCol="0">
+            <a:spAutoFit/>
+          </a:bodyPr>
+          <a:p>
+            <a:r>
+              <a:rPr lang="en-US" altLang="zh-CN" sz="1000"/>
+              <a:t>192.168.5.10</a:t>
+            </a:r>
+            <a:endParaRPr lang="en-US" altLang="zh-CN" sz="1000"/>
+          </a:p>
+        </p:txBody>
+      </p:sp>
+      <p:sp>
+        <p:nvSpPr>
+          <p:cNvPr id="36" name="文本框 35"/>
+          <p:cNvSpPr txBox="1"/>
+          <p:nvPr/>
+        </p:nvSpPr>
+        <p:spPr>
+          <a:xfrm>
+            <a:off x="7229475" y="3825875"/>
+            <a:ext cx="1941830" cy="245110"/>
+          </a:xfrm>
+          <a:prstGeom prst="rect">
+            <a:avLst/>
+          </a:prstGeom>
+          <a:noFill/>
+        </p:spPr>
+        <p:txBody>
+          <a:bodyPr wrap="square" rtlCol="0">
+            <a:spAutoFit/>
+          </a:bodyPr>
+          <a:p>
+            <a:r>
+              <a:rPr lang="en-US" altLang="zh-CN" sz="1000"/>
+              <a:t>192.168.5.11</a:t>
+            </a:r>
+            <a:endParaRPr lang="en-US" altLang="zh-CN" sz="1000"/>
+          </a:p>
+        </p:txBody>
+      </p:sp>
+      <p:sp>
+        <p:nvSpPr>
+          <p:cNvPr id="37" name="文本框 36"/>
+          <p:cNvSpPr txBox="1"/>
+          <p:nvPr/>
+        </p:nvSpPr>
+        <p:spPr>
+          <a:xfrm>
+            <a:off x="5012055" y="1660525"/>
+            <a:ext cx="1304925" cy="229870"/>
+          </a:xfrm>
+          <a:prstGeom prst="rect">
+            <a:avLst/>
+          </a:prstGeom>
+          <a:noFill/>
+        </p:spPr>
+        <p:txBody>
+          <a:bodyPr wrap="square" rtlCol="0">
+            <a:spAutoFit/>
+          </a:bodyPr>
+          <a:p>
+            <a:r>
+              <a:rPr lang="en-US" altLang="zh-CN" sz="900"/>
+              <a:t>VIP</a:t>
+            </a:r>
+            <a:r>
+              <a:rPr lang="zh-CN" altLang="en-US" sz="900"/>
+              <a:t>：</a:t>
+            </a:r>
+            <a:r>
+              <a:rPr lang="en-US" altLang="zh-CN" sz="900"/>
+              <a:t>192.168.5.100</a:t>
+            </a:r>
+            <a:endParaRPr lang="en-US" altLang="zh-CN" sz="900"/>
           </a:p>
         </p:txBody>
       </p:sp>
